--- a/IBM-spark/IT Analytics-姚晗-7.3.pptx
+++ b/IBM-spark/IT Analytics-姚晗-7.3.pptx
@@ -282,7 +282,7 @@
               <a:pPr>
                 <a:defRPr/>
               </a:pPr>
-              <a:t>2017/7/7</a:t>
+              <a:t>2017/9/4</a:t>
             </a:fld>
             <a:endParaRPr lang="zh-CN" altLang="en-US"/>
           </a:p>
@@ -2342,7 +2342,7 @@
               <a:pPr>
                 <a:defRPr/>
               </a:pPr>
-              <a:t>2017/7/7</a:t>
+              <a:t>2017/9/4</a:t>
             </a:fld>
             <a:endParaRPr lang="zh-CN" altLang="en-US"/>
           </a:p>
@@ -2537,7 +2537,7 @@
               <a:pPr>
                 <a:defRPr/>
               </a:pPr>
-              <a:t>2017/7/7</a:t>
+              <a:t>2017/9/4</a:t>
             </a:fld>
             <a:endParaRPr lang="zh-CN" altLang="en-US"/>
           </a:p>
@@ -2742,7 +2742,7 @@
               <a:pPr>
                 <a:defRPr/>
               </a:pPr>
-              <a:t>2017/7/7</a:t>
+              <a:t>2017/9/4</a:t>
             </a:fld>
             <a:endParaRPr lang="zh-CN" altLang="en-US"/>
           </a:p>
@@ -2937,7 +2937,7 @@
               <a:pPr>
                 <a:defRPr/>
               </a:pPr>
-              <a:t>2017/7/7</a:t>
+              <a:t>2017/9/4</a:t>
             </a:fld>
             <a:endParaRPr lang="zh-CN" altLang="en-US"/>
           </a:p>
@@ -3209,7 +3209,7 @@
               <a:pPr>
                 <a:defRPr/>
               </a:pPr>
-              <a:t>2017/7/7</a:t>
+              <a:t>2017/9/4</a:t>
             </a:fld>
             <a:endParaRPr lang="zh-CN" altLang="en-US"/>
           </a:p>
@@ -3465,7 +3465,7 @@
               <a:pPr>
                 <a:defRPr/>
               </a:pPr>
-              <a:t>2017/7/7</a:t>
+              <a:t>2017/9/4</a:t>
             </a:fld>
             <a:endParaRPr lang="zh-CN" altLang="en-US"/>
           </a:p>
@@ -3856,7 +3856,7 @@
               <a:pPr>
                 <a:defRPr/>
               </a:pPr>
-              <a:t>2017/7/7</a:t>
+              <a:t>2017/9/4</a:t>
             </a:fld>
             <a:endParaRPr lang="zh-CN" altLang="en-US"/>
           </a:p>
@@ -4000,7 +4000,7 @@
               <a:pPr>
                 <a:defRPr/>
               </a:pPr>
-              <a:t>2017/7/7</a:t>
+              <a:t>2017/9/4</a:t>
             </a:fld>
             <a:endParaRPr lang="zh-CN" altLang="en-US"/>
           </a:p>
@@ -4122,7 +4122,7 @@
               <a:pPr>
                 <a:defRPr/>
               </a:pPr>
-              <a:t>2017/7/7</a:t>
+              <a:t>2017/9/4</a:t>
             </a:fld>
             <a:endParaRPr lang="zh-CN" altLang="en-US"/>
           </a:p>
@@ -4424,7 +4424,7 @@
               <a:pPr>
                 <a:defRPr/>
               </a:pPr>
-              <a:t>2017/7/7</a:t>
+              <a:t>2017/9/4</a:t>
             </a:fld>
             <a:endParaRPr lang="zh-CN" altLang="en-US"/>
           </a:p>
@@ -4706,7 +4706,7 @@
               <a:pPr>
                 <a:defRPr/>
               </a:pPr>
-              <a:t>2017/7/7</a:t>
+              <a:t>2017/9/4</a:t>
             </a:fld>
             <a:endParaRPr lang="zh-CN" altLang="en-US"/>
           </a:p>
@@ -5008,7 +5008,7 @@
               <a:pPr>
                 <a:defRPr/>
               </a:pPr>
-              <a:t>2017/7/7</a:t>
+              <a:t>2017/9/4</a:t>
             </a:fld>
             <a:endParaRPr lang="zh-CN" altLang="en-US"/>
           </a:p>
@@ -32191,8 +32191,8 @@
         </p:blipFill>
         <p:spPr>
           <a:xfrm>
-            <a:off x="1881643" y="1885436"/>
-            <a:ext cx="8674488" cy="6299112"/>
+            <a:off x="2404517" y="1258888"/>
+            <a:ext cx="3669710" cy="2664816"/>
           </a:xfrm>
           <a:prstGeom prst="rect">
             <a:avLst/>
@@ -32219,7 +32219,7 @@
         </p:blipFill>
         <p:spPr>
           <a:xfrm>
-            <a:off x="6789579" y="1885436"/>
+            <a:off x="8127726" y="1518994"/>
             <a:ext cx="3766552" cy="2212118"/>
           </a:xfrm>
           <a:prstGeom prst="rect">
@@ -32247,7 +32247,7 @@
         </p:blipFill>
         <p:spPr>
           <a:xfrm>
-            <a:off x="-885497" y="4955619"/>
+            <a:off x="2671880" y="4598780"/>
             <a:ext cx="3134985" cy="2504557"/>
           </a:xfrm>
           <a:prstGeom prst="rect">
